--- a/ppt/Graham_Robinson_SCP_ABAP.pptx
+++ b/ppt/Graham_Robinson_SCP_ABAP.pptx
@@ -205,7 +205,7 @@
           <a:p>
             <a:fld id="{DF47BD41-F31A-954E-AB4A-05ED95AF1A5A}" type="datetimeFigureOut">
               <a:rPr lang="en-US" smtClean="0"/>
-              <a:t>6/20/18</a:t>
+              <a:t>8/14/18</a:t>
             </a:fld>
             <a:endParaRPr lang="en-US"/>
           </a:p>
@@ -3827,7 +3827,7 @@
 </file>
 
 <file path=ppt/slides/slide3.xml><?xml version="1.0" encoding="utf-8"?>
-<p:sld xmlns:a="http://schemas.openxmlformats.org/drawingml/2006/main" xmlns:r="http://schemas.openxmlformats.org/officeDocument/2006/relationships" xmlns:p="http://schemas.openxmlformats.org/presentationml/2006/main">
+<p:sld xmlns:a="http://schemas.openxmlformats.org/drawingml/2006/main" xmlns:r="http://schemas.openxmlformats.org/officeDocument/2006/relationships" xmlns:p="http://schemas.openxmlformats.org/presentationml/2006/main" show="0">
   <p:cSld>
     <p:bg>
       <p:bgPr>
@@ -3966,7 +3966,7 @@
 </file>
 
 <file path=ppt/slides/slide4.xml><?xml version="1.0" encoding="utf-8"?>
-<p:sld xmlns:a="http://schemas.openxmlformats.org/drawingml/2006/main" xmlns:r="http://schemas.openxmlformats.org/officeDocument/2006/relationships" xmlns:p="http://schemas.openxmlformats.org/presentationml/2006/main">
+<p:sld xmlns:a="http://schemas.openxmlformats.org/drawingml/2006/main" xmlns:r="http://schemas.openxmlformats.org/officeDocument/2006/relationships" xmlns:p="http://schemas.openxmlformats.org/presentationml/2006/main" show="0">
   <p:cSld>
     <p:bg>
       <p:bgPr>
@@ -4128,7 +4128,7 @@
 </file>
 
 <file path=ppt/slides/slide5.xml><?xml version="1.0" encoding="utf-8"?>
-<p:sld xmlns:a="http://schemas.openxmlformats.org/drawingml/2006/main" xmlns:r="http://schemas.openxmlformats.org/officeDocument/2006/relationships" xmlns:p="http://schemas.openxmlformats.org/presentationml/2006/main">
+<p:sld xmlns:a="http://schemas.openxmlformats.org/drawingml/2006/main" xmlns:r="http://schemas.openxmlformats.org/officeDocument/2006/relationships" xmlns:p="http://schemas.openxmlformats.org/presentationml/2006/main" show="0">
   <p:cSld>
     <p:spTree>
       <p:nvGrpSpPr>
@@ -4434,7 +4434,7 @@
 </file>
 
 <file path=ppt/slides/slide6.xml><?xml version="1.0" encoding="utf-8"?>
-<p:sld xmlns:a="http://schemas.openxmlformats.org/drawingml/2006/main" xmlns:r="http://schemas.openxmlformats.org/officeDocument/2006/relationships" xmlns:p="http://schemas.openxmlformats.org/presentationml/2006/main">
+<p:sld xmlns:a="http://schemas.openxmlformats.org/drawingml/2006/main" xmlns:r="http://schemas.openxmlformats.org/officeDocument/2006/relationships" xmlns:p="http://schemas.openxmlformats.org/presentationml/2006/main" show="0">
   <p:cSld>
     <p:spTree>
       <p:nvGrpSpPr>
@@ -4783,14 +4783,14 @@
           </a:effectLst>
           <a:extLst>
             <a:ext uri="{909E8E84-426E-40dd-AFC4-6F175D3DCCD1}">
-              <a14:hiddenFill xmlns:a14="http://schemas.microsoft.com/office/drawing/2010/main" xmlns="">
+              <a14:hiddenFill xmlns="" xmlns:a14="http://schemas.microsoft.com/office/drawing/2010/main">
                 <a:solidFill>
                   <a:schemeClr val="accent1"/>
                 </a:solidFill>
               </a14:hiddenFill>
             </a:ext>
             <a:ext uri="{91240B29-F687-4f45-9708-019B960494DF}">
-              <a14:hiddenLine xmlns:a14="http://schemas.microsoft.com/office/drawing/2010/main" xmlns="" w="9525">
+              <a14:hiddenLine xmlns="" xmlns:a14="http://schemas.microsoft.com/office/drawing/2010/main" w="9525">
                 <a:solidFill>
                   <a:schemeClr val="tx1"/>
                 </a:solidFill>
